--- a/Box Office Forecast.pptx
+++ b/Box Office Forecast.pptx
@@ -13,12 +13,15 @@
     <p:sldId id="265" r:id="rId7"/>
     <p:sldId id="269" r:id="rId8"/>
     <p:sldId id="270" r:id="rId9"/>
-    <p:sldId id="264" r:id="rId10"/>
-    <p:sldId id="267" r:id="rId11"/>
-    <p:sldId id="268" r:id="rId12"/>
-    <p:sldId id="271" r:id="rId13"/>
-    <p:sldId id="272" r:id="rId14"/>
-    <p:sldId id="273" r:id="rId15"/>
+    <p:sldId id="274" r:id="rId10"/>
+    <p:sldId id="264" r:id="rId11"/>
+    <p:sldId id="267" r:id="rId12"/>
+    <p:sldId id="275" r:id="rId13"/>
+    <p:sldId id="271" r:id="rId14"/>
+    <p:sldId id="268" r:id="rId15"/>
+    <p:sldId id="276" r:id="rId16"/>
+    <p:sldId id="272" r:id="rId17"/>
+    <p:sldId id="273" r:id="rId18"/>
   </p:sldIdLst>
   <p:sldSz cx="12192000" cy="6858000"/>
   <p:notesSz cx="6858000" cy="9144000"/>
@@ -7705,8 +7708,8 @@
                     <a:lumOff val="5000"/>
                   </a:schemeClr>
                 </a:solidFill>
-                <a:latin typeface="Times New Roman" panose="02020603050405020304" pitchFamily="18" charset="0"/>
-                <a:cs typeface="Times New Roman" panose="02020603050405020304" pitchFamily="18" charset="0"/>
+                <a:latin typeface="Calibri" panose="020F0502020204030204" pitchFamily="34" charset="0"/>
+                <a:cs typeface="Calibri" panose="020F0502020204030204" pitchFamily="34" charset="0"/>
               </a:rPr>
               <a:t>(Team Blockbuster)</a:t>
             </a:r>
@@ -7720,8 +7723,8 @@
                     <a:lumOff val="5000"/>
                   </a:schemeClr>
                 </a:solidFill>
-                <a:latin typeface="Times New Roman" panose="02020603050405020304" pitchFamily="18" charset="0"/>
-                <a:cs typeface="Times New Roman" panose="02020603050405020304" pitchFamily="18" charset="0"/>
+                <a:latin typeface="Calibri" panose="020F0502020204030204" pitchFamily="34" charset="0"/>
+                <a:cs typeface="Calibri" panose="020F0502020204030204" pitchFamily="34" charset="0"/>
               </a:rPr>
               <a:t>Jin</a:t>
             </a:r>
@@ -7733,8 +7736,8 @@
                     <a:lumOff val="5000"/>
                   </a:schemeClr>
                 </a:solidFill>
-                <a:latin typeface="Times New Roman" panose="02020603050405020304" pitchFamily="18" charset="0"/>
-                <a:cs typeface="Times New Roman" panose="02020603050405020304" pitchFamily="18" charset="0"/>
+                <a:latin typeface="Calibri" panose="020F0502020204030204" pitchFamily="34" charset="0"/>
+                <a:cs typeface="Calibri" panose="020F0502020204030204" pitchFamily="34" charset="0"/>
               </a:rPr>
               <a:t> Liu</a:t>
             </a:r>
@@ -7748,8 +7751,8 @@
                     <a:lumOff val="5000"/>
                   </a:schemeClr>
                 </a:solidFill>
-                <a:latin typeface="Times New Roman" panose="02020603050405020304" pitchFamily="18" charset="0"/>
-                <a:cs typeface="Times New Roman" panose="02020603050405020304" pitchFamily="18" charset="0"/>
+                <a:latin typeface="Calibri" panose="020F0502020204030204" pitchFamily="34" charset="0"/>
+                <a:cs typeface="Calibri" panose="020F0502020204030204" pitchFamily="34" charset="0"/>
               </a:rPr>
               <a:t>Prakshita Nag</a:t>
             </a:r>
@@ -7763,8 +7766,8 @@
                     <a:lumOff val="5000"/>
                   </a:schemeClr>
                 </a:solidFill>
-                <a:latin typeface="Times New Roman" panose="02020603050405020304" pitchFamily="18" charset="0"/>
-                <a:cs typeface="Times New Roman" panose="02020603050405020304" pitchFamily="18" charset="0"/>
+                <a:latin typeface="Calibri" panose="020F0502020204030204" pitchFamily="34" charset="0"/>
+                <a:cs typeface="Calibri" panose="020F0502020204030204" pitchFamily="34" charset="0"/>
               </a:rPr>
               <a:t>Rakesh Reddy</a:t>
             </a:r>
@@ -7795,6 +7798,95 @@
 </file>
 
 <file path=ppt/slides/slide10.xml><?xml version="1.0" encoding="utf-8"?>
+<p:sld xmlns:a="http://schemas.openxmlformats.org/drawingml/2006/main" xmlns:r="http://schemas.openxmlformats.org/officeDocument/2006/relationships" xmlns:p="http://schemas.openxmlformats.org/presentationml/2006/main">
+  <p:cSld>
+    <p:spTree>
+      <p:nvGrpSpPr>
+        <p:cNvPr id="1" name=""/>
+        <p:cNvGrpSpPr/>
+        <p:nvPr/>
+      </p:nvGrpSpPr>
+      <p:grpSpPr>
+        <a:xfrm>
+          <a:off x="0" y="0"/>
+          <a:ext cx="0" cy="0"/>
+          <a:chOff x="0" y="0"/>
+          <a:chExt cx="0" cy="0"/>
+        </a:xfrm>
+      </p:grpSpPr>
+      <p:sp>
+        <p:nvSpPr>
+          <p:cNvPr id="2" name="Title 1">
+            <a:extLst>
+              <a:ext uri="{FF2B5EF4-FFF2-40B4-BE49-F238E27FC236}">
+                <a16:creationId xmlns:a16="http://schemas.microsoft.com/office/drawing/2014/main" id="{CCC2C80C-21B5-4B21-B78D-747FBD4909BD}"/>
+              </a:ext>
+            </a:extLst>
+          </p:cNvPr>
+          <p:cNvSpPr>
+            <a:spLocks noGrp="1"/>
+          </p:cNvSpPr>
+          <p:nvPr>
+            <p:ph type="title"/>
+          </p:nvPr>
+        </p:nvSpPr>
+        <p:spPr>
+          <a:xfrm>
+            <a:off x="2592926" y="622852"/>
+            <a:ext cx="8896709" cy="1282148"/>
+          </a:xfrm>
+        </p:spPr>
+        <p:txBody>
+          <a:bodyPr/>
+          <a:lstStyle/>
+          <a:p>
+            <a:endParaRPr lang="en-US" dirty="0"/>
+          </a:p>
+        </p:txBody>
+      </p:sp>
+      <p:pic>
+        <p:nvPicPr>
+          <p:cNvPr id="5" name="Content Placeholder 4" descr="A screenshot of a cell phone&#10;&#10;Description automatically generated">
+            <a:extLst>
+              <a:ext uri="{FF2B5EF4-FFF2-40B4-BE49-F238E27FC236}">
+                <a16:creationId xmlns:a16="http://schemas.microsoft.com/office/drawing/2014/main" id="{A2CBA61A-3A80-4E21-8A81-CD5850AECF2F}"/>
+              </a:ext>
+            </a:extLst>
+          </p:cNvPr>
+          <p:cNvPicPr>
+            <a:picLocks noGrp="1" noChangeAspect="1"/>
+          </p:cNvPicPr>
+          <p:nvPr>
+            <p:ph idx="1"/>
+          </p:nvPr>
+        </p:nvPicPr>
+        <p:blipFill>
+          <a:blip r:embed="rId2"/>
+          <a:stretch>
+            <a:fillRect/>
+          </a:stretch>
+        </p:blipFill>
+        <p:spPr>
+          <a:xfrm>
+            <a:off x="2086417" y="406367"/>
+            <a:ext cx="8098593" cy="6073946"/>
+          </a:xfrm>
+        </p:spPr>
+      </p:pic>
+    </p:spTree>
+    <p:extLst>
+      <p:ext uri="{BB962C8B-B14F-4D97-AF65-F5344CB8AC3E}">
+        <p14:creationId xmlns:p14="http://schemas.microsoft.com/office/powerpoint/2010/main" val="233143166"/>
+      </p:ext>
+    </p:extLst>
+  </p:cSld>
+  <p:clrMapOvr>
+    <a:masterClrMapping/>
+  </p:clrMapOvr>
+</p:sld>
+</file>
+
+<file path=ppt/slides/slide11.xml><?xml version="1.0" encoding="utf-8"?>
 <p:sld xmlns:a="http://schemas.openxmlformats.org/drawingml/2006/main" xmlns:r="http://schemas.openxmlformats.org/officeDocument/2006/relationships" xmlns:p="http://schemas.openxmlformats.org/presentationml/2006/main">
   <p:cSld>
     <p:spTree>
@@ -7878,7 +7970,584 @@
 </p:sld>
 </file>
 
-<file path=ppt/slides/slide11.xml><?xml version="1.0" encoding="utf-8"?>
+<file path=ppt/slides/slide12.xml><?xml version="1.0" encoding="utf-8"?>
+<p:sld xmlns:a="http://schemas.openxmlformats.org/drawingml/2006/main" xmlns:r="http://schemas.openxmlformats.org/officeDocument/2006/relationships" xmlns:p="http://schemas.openxmlformats.org/presentationml/2006/main">
+  <p:cSld>
+    <p:spTree>
+      <p:nvGrpSpPr>
+        <p:cNvPr id="1" name=""/>
+        <p:cNvGrpSpPr/>
+        <p:nvPr/>
+      </p:nvGrpSpPr>
+      <p:grpSpPr>
+        <a:xfrm>
+          <a:off x="0" y="0"/>
+          <a:ext cx="0" cy="0"/>
+          <a:chOff x="0" y="0"/>
+          <a:chExt cx="0" cy="0"/>
+        </a:xfrm>
+      </p:grpSpPr>
+      <p:sp>
+        <p:nvSpPr>
+          <p:cNvPr id="2" name="Title 1">
+            <a:extLst>
+              <a:ext uri="{FF2B5EF4-FFF2-40B4-BE49-F238E27FC236}">
+                <a16:creationId xmlns:a16="http://schemas.microsoft.com/office/drawing/2014/main" id="{F7BE5EA1-4341-4590-B944-07F4CE18EC84}"/>
+              </a:ext>
+            </a:extLst>
+          </p:cNvPr>
+          <p:cNvSpPr>
+            <a:spLocks noGrp="1"/>
+          </p:cNvSpPr>
+          <p:nvPr>
+            <p:ph type="title"/>
+          </p:nvPr>
+        </p:nvSpPr>
+        <p:spPr/>
+        <p:txBody>
+          <a:bodyPr/>
+          <a:lstStyle/>
+          <a:p>
+            <a:r>
+              <a:rPr lang="en-US" dirty="0"/>
+              <a:t>Modeling</a:t>
+            </a:r>
+          </a:p>
+        </p:txBody>
+      </p:sp>
+      <p:sp>
+        <p:nvSpPr>
+          <p:cNvPr id="3" name="Content Placeholder 2">
+            <a:extLst>
+              <a:ext uri="{FF2B5EF4-FFF2-40B4-BE49-F238E27FC236}">
+                <a16:creationId xmlns:a16="http://schemas.microsoft.com/office/drawing/2014/main" id="{1571FFDE-D1BF-40B0-AD6F-2B73C38487F0}"/>
+              </a:ext>
+            </a:extLst>
+          </p:cNvPr>
+          <p:cNvSpPr>
+            <a:spLocks noGrp="1"/>
+          </p:cNvSpPr>
+          <p:nvPr>
+            <p:ph idx="1"/>
+          </p:nvPr>
+        </p:nvSpPr>
+        <p:spPr/>
+        <p:txBody>
+          <a:bodyPr>
+            <a:normAutofit/>
+          </a:bodyPr>
+          <a:lstStyle/>
+          <a:p>
+            <a:r>
+              <a:rPr lang="en-US" sz="3200" dirty="0">
+                <a:latin typeface="Calibri" panose="020F0502020204030204" pitchFamily="34" charset="0"/>
+                <a:cs typeface="Calibri" panose="020F0502020204030204" pitchFamily="34" charset="0"/>
+              </a:rPr>
+              <a:t>Training Data: movies from 1997 to 2015</a:t>
+            </a:r>
+          </a:p>
+          <a:p>
+            <a:r>
+              <a:rPr lang="en-US" sz="3200" dirty="0">
+                <a:latin typeface="Calibri" panose="020F0502020204030204" pitchFamily="34" charset="0"/>
+                <a:cs typeface="Calibri" panose="020F0502020204030204" pitchFamily="34" charset="0"/>
+              </a:rPr>
+              <a:t>Testing Data: movies between 2016 and 2017</a:t>
+            </a:r>
+          </a:p>
+        </p:txBody>
+      </p:sp>
+    </p:spTree>
+    <p:extLst>
+      <p:ext uri="{BB962C8B-B14F-4D97-AF65-F5344CB8AC3E}">
+        <p14:creationId xmlns:p14="http://schemas.microsoft.com/office/powerpoint/2010/main" val="4067743120"/>
+      </p:ext>
+    </p:extLst>
+  </p:cSld>
+  <p:clrMapOvr>
+    <a:masterClrMapping/>
+  </p:clrMapOvr>
+  <p:timing>
+    <p:tnLst>
+      <p:par>
+        <p:cTn id="1" dur="indefinite" restart="never" nodeType="tmRoot">
+          <p:childTnLst>
+            <p:seq concurrent="1" nextAc="seek">
+              <p:cTn id="2" dur="indefinite" nodeType="mainSeq">
+                <p:childTnLst>
+                  <p:par>
+                    <p:cTn id="3" fill="hold">
+                      <p:stCondLst>
+                        <p:cond delay="indefinite"/>
+                      </p:stCondLst>
+                      <p:childTnLst>
+                        <p:par>
+                          <p:cTn id="4" fill="hold">
+                            <p:stCondLst>
+                              <p:cond delay="0"/>
+                            </p:stCondLst>
+                            <p:childTnLst>
+                              <p:par>
+                                <p:cTn id="5" presetID="1" presetClass="entr" presetSubtype="0" fill="hold" grpId="0" nodeType="clickEffect">
+                                  <p:stCondLst>
+                                    <p:cond delay="0"/>
+                                  </p:stCondLst>
+                                  <p:childTnLst>
+                                    <p:set>
+                                      <p:cBhvr>
+                                        <p:cTn id="6" dur="1" fill="hold">
+                                          <p:stCondLst>
+                                            <p:cond delay="0"/>
+                                          </p:stCondLst>
+                                        </p:cTn>
+                                        <p:tgtEl>
+                                          <p:spTgt spid="3">
+                                            <p:txEl>
+                                              <p:pRg st="0" end="0"/>
+                                            </p:txEl>
+                                          </p:spTgt>
+                                        </p:tgtEl>
+                                        <p:attrNameLst>
+                                          <p:attrName>style.visibility</p:attrName>
+                                        </p:attrNameLst>
+                                      </p:cBhvr>
+                                      <p:to>
+                                        <p:strVal val="visible"/>
+                                      </p:to>
+                                    </p:set>
+                                  </p:childTnLst>
+                                </p:cTn>
+                              </p:par>
+                            </p:childTnLst>
+                          </p:cTn>
+                        </p:par>
+                      </p:childTnLst>
+                    </p:cTn>
+                  </p:par>
+                  <p:par>
+                    <p:cTn id="7" fill="hold">
+                      <p:stCondLst>
+                        <p:cond delay="indefinite"/>
+                      </p:stCondLst>
+                      <p:childTnLst>
+                        <p:par>
+                          <p:cTn id="8" fill="hold">
+                            <p:stCondLst>
+                              <p:cond delay="0"/>
+                            </p:stCondLst>
+                            <p:childTnLst>
+                              <p:par>
+                                <p:cTn id="9" presetID="1" presetClass="entr" presetSubtype="0" fill="hold" grpId="0" nodeType="clickEffect">
+                                  <p:stCondLst>
+                                    <p:cond delay="0"/>
+                                  </p:stCondLst>
+                                  <p:childTnLst>
+                                    <p:set>
+                                      <p:cBhvr>
+                                        <p:cTn id="10" dur="1" fill="hold">
+                                          <p:stCondLst>
+                                            <p:cond delay="0"/>
+                                          </p:stCondLst>
+                                        </p:cTn>
+                                        <p:tgtEl>
+                                          <p:spTgt spid="3">
+                                            <p:txEl>
+                                              <p:pRg st="1" end="1"/>
+                                            </p:txEl>
+                                          </p:spTgt>
+                                        </p:tgtEl>
+                                        <p:attrNameLst>
+                                          <p:attrName>style.visibility</p:attrName>
+                                        </p:attrNameLst>
+                                      </p:cBhvr>
+                                      <p:to>
+                                        <p:strVal val="visible"/>
+                                      </p:to>
+                                    </p:set>
+                                  </p:childTnLst>
+                                </p:cTn>
+                              </p:par>
+                            </p:childTnLst>
+                          </p:cTn>
+                        </p:par>
+                      </p:childTnLst>
+                    </p:cTn>
+                  </p:par>
+                </p:childTnLst>
+              </p:cTn>
+              <p:prevCondLst>
+                <p:cond evt="onPrev" delay="0">
+                  <p:tgtEl>
+                    <p:sldTgt/>
+                  </p:tgtEl>
+                </p:cond>
+              </p:prevCondLst>
+              <p:nextCondLst>
+                <p:cond evt="onNext" delay="0">
+                  <p:tgtEl>
+                    <p:sldTgt/>
+                  </p:tgtEl>
+                </p:cond>
+              </p:nextCondLst>
+            </p:seq>
+          </p:childTnLst>
+        </p:cTn>
+      </p:par>
+    </p:tnLst>
+    <p:bldLst>
+      <p:bldP spid="3" grpId="0" build="p"/>
+    </p:bldLst>
+  </p:timing>
+</p:sld>
+</file>
+
+<file path=ppt/slides/slide13.xml><?xml version="1.0" encoding="utf-8"?>
+<p:sld xmlns:a="http://schemas.openxmlformats.org/drawingml/2006/main" xmlns:r="http://schemas.openxmlformats.org/officeDocument/2006/relationships" xmlns:p="http://schemas.openxmlformats.org/presentationml/2006/main">
+  <p:cSld>
+    <p:spTree>
+      <p:nvGrpSpPr>
+        <p:cNvPr id="1" name=""/>
+        <p:cNvGrpSpPr/>
+        <p:nvPr/>
+      </p:nvGrpSpPr>
+      <p:grpSpPr>
+        <a:xfrm>
+          <a:off x="0" y="0"/>
+          <a:ext cx="0" cy="0"/>
+          <a:chOff x="0" y="0"/>
+          <a:chExt cx="0" cy="0"/>
+        </a:xfrm>
+      </p:grpSpPr>
+      <p:sp>
+        <p:nvSpPr>
+          <p:cNvPr id="2" name="Title 1">
+            <a:extLst>
+              <a:ext uri="{FF2B5EF4-FFF2-40B4-BE49-F238E27FC236}">
+                <a16:creationId xmlns:a16="http://schemas.microsoft.com/office/drawing/2014/main" id="{6B64AD24-7AE5-4B8D-9722-4562B25003A6}"/>
+              </a:ext>
+            </a:extLst>
+          </p:cNvPr>
+          <p:cNvSpPr>
+            <a:spLocks noGrp="1"/>
+          </p:cNvSpPr>
+          <p:nvPr>
+            <p:ph type="title"/>
+          </p:nvPr>
+        </p:nvSpPr>
+        <p:spPr/>
+        <p:txBody>
+          <a:bodyPr/>
+          <a:lstStyle/>
+          <a:p>
+            <a:r>
+              <a:rPr lang="en-US" dirty="0">
+                <a:latin typeface="Calibri" panose="020F0502020204030204" pitchFamily="34" charset="0"/>
+                <a:cs typeface="Calibri" panose="020F0502020204030204" pitchFamily="34" charset="0"/>
+              </a:rPr>
+              <a:t>Regression Models</a:t>
+            </a:r>
+          </a:p>
+        </p:txBody>
+      </p:sp>
+      <p:graphicFrame>
+        <p:nvGraphicFramePr>
+          <p:cNvPr id="4" name="Table 4">
+            <a:extLst>
+              <a:ext uri="{FF2B5EF4-FFF2-40B4-BE49-F238E27FC236}">
+                <a16:creationId xmlns:a16="http://schemas.microsoft.com/office/drawing/2014/main" id="{87C5C70B-32D7-4514-B115-2BB120B1C8A8}"/>
+              </a:ext>
+            </a:extLst>
+          </p:cNvPr>
+          <p:cNvGraphicFramePr>
+            <a:graphicFrameLocks noGrp="1"/>
+          </p:cNvGraphicFramePr>
+          <p:nvPr>
+            <p:ph idx="1"/>
+            <p:extLst>
+              <p:ext uri="{D42A27DB-BD31-4B8C-83A1-F6EECF244321}">
+                <p14:modId xmlns:p14="http://schemas.microsoft.com/office/powerpoint/2010/main" val="2353859280"/>
+              </p:ext>
+            </p:extLst>
+          </p:nvPr>
+        </p:nvGraphicFramePr>
+        <p:xfrm>
+          <a:off x="2589212" y="1905000"/>
+          <a:ext cx="9450385" cy="2811411"/>
+        </p:xfrm>
+        <a:graphic>
+          <a:graphicData uri="http://schemas.openxmlformats.org/drawingml/2006/table">
+            <a:tbl>
+              <a:tblPr firstRow="1" bandRow="1">
+                <a:tableStyleId>{5C22544A-7EE6-4342-B048-85BDC9FD1C3A}</a:tableStyleId>
+              </a:tblPr>
+              <a:tblGrid>
+                <a:gridCol w="1890077">
+                  <a:extLst>
+                    <a:ext uri="{9D8B030D-6E8A-4147-A177-3AD203B41FA5}">
+                      <a16:colId xmlns:a16="http://schemas.microsoft.com/office/drawing/2014/main" val="1171436048"/>
+                    </a:ext>
+                  </a:extLst>
+                </a:gridCol>
+                <a:gridCol w="1890077">
+                  <a:extLst>
+                    <a:ext uri="{9D8B030D-6E8A-4147-A177-3AD203B41FA5}">
+                      <a16:colId xmlns:a16="http://schemas.microsoft.com/office/drawing/2014/main" val="4277697129"/>
+                    </a:ext>
+                  </a:extLst>
+                </a:gridCol>
+                <a:gridCol w="1890077">
+                  <a:extLst>
+                    <a:ext uri="{9D8B030D-6E8A-4147-A177-3AD203B41FA5}">
+                      <a16:colId xmlns:a16="http://schemas.microsoft.com/office/drawing/2014/main" val="907821545"/>
+                    </a:ext>
+                  </a:extLst>
+                </a:gridCol>
+                <a:gridCol w="1890077">
+                  <a:extLst>
+                    <a:ext uri="{9D8B030D-6E8A-4147-A177-3AD203B41FA5}">
+                      <a16:colId xmlns:a16="http://schemas.microsoft.com/office/drawing/2014/main" val="1595768406"/>
+                    </a:ext>
+                  </a:extLst>
+                </a:gridCol>
+                <a:gridCol w="1890077">
+                  <a:extLst>
+                    <a:ext uri="{9D8B030D-6E8A-4147-A177-3AD203B41FA5}">
+                      <a16:colId xmlns:a16="http://schemas.microsoft.com/office/drawing/2014/main" val="3843693855"/>
+                    </a:ext>
+                  </a:extLst>
+                </a:gridCol>
+              </a:tblGrid>
+              <a:tr h="961557">
+                <a:tc>
+                  <a:txBody>
+                    <a:bodyPr/>
+                    <a:lstStyle/>
+                    <a:p>
+                      <a:endParaRPr lang="en-US" dirty="0"/>
+                    </a:p>
+                  </a:txBody>
+                  <a:tcPr/>
+                </a:tc>
+                <a:tc>
+                  <a:txBody>
+                    <a:bodyPr/>
+                    <a:lstStyle/>
+                    <a:p>
+                      <a:r>
+                        <a:rPr lang="en-US" dirty="0"/>
+                        <a:t>XGBOOST</a:t>
+                      </a:r>
+                    </a:p>
+                  </a:txBody>
+                  <a:tcPr/>
+                </a:tc>
+                <a:tc>
+                  <a:txBody>
+                    <a:bodyPr/>
+                    <a:lstStyle/>
+                    <a:p>
+                      <a:r>
+                        <a:rPr lang="en-US" dirty="0"/>
+                        <a:t>SVM</a:t>
+                      </a:r>
+                    </a:p>
+                  </a:txBody>
+                  <a:tcPr/>
+                </a:tc>
+                <a:tc>
+                  <a:txBody>
+                    <a:bodyPr/>
+                    <a:lstStyle/>
+                    <a:p>
+                      <a:r>
+                        <a:rPr lang="en-US" dirty="0"/>
+                        <a:t>RANDOM FOREST</a:t>
+                      </a:r>
+                    </a:p>
+                  </a:txBody>
+                  <a:tcPr/>
+                </a:tc>
+                <a:tc>
+                  <a:txBody>
+                    <a:bodyPr/>
+                    <a:lstStyle/>
+                    <a:p>
+                      <a:r>
+                        <a:rPr lang="en-US" dirty="0"/>
+                        <a:t>MULTI LINEAR PERCEPTRON REGRESSOR</a:t>
+                      </a:r>
+                    </a:p>
+                  </a:txBody>
+                  <a:tcPr/>
+                </a:tc>
+                <a:extLst>
+                  <a:ext uri="{0D108BD9-81ED-4DB2-BD59-A6C34878D82A}">
+                    <a16:rowId xmlns:a16="http://schemas.microsoft.com/office/drawing/2014/main" val="1640594788"/>
+                  </a:ext>
+                </a:extLst>
+              </a:tr>
+              <a:tr h="924927">
+                <a:tc>
+                  <a:txBody>
+                    <a:bodyPr/>
+                    <a:lstStyle/>
+                    <a:p>
+                      <a:r>
+                        <a:rPr lang="en-US" b="1" dirty="0"/>
+                        <a:t>R SQUARE</a:t>
+                      </a:r>
+                    </a:p>
+                  </a:txBody>
+                  <a:tcPr/>
+                </a:tc>
+                <a:tc>
+                  <a:txBody>
+                    <a:bodyPr/>
+                    <a:lstStyle/>
+                    <a:p>
+                      <a:r>
+                        <a:rPr lang="en-US" dirty="0"/>
+                        <a:t>-0.33</a:t>
+                      </a:r>
+                    </a:p>
+                  </a:txBody>
+                  <a:tcPr/>
+                </a:tc>
+                <a:tc>
+                  <a:txBody>
+                    <a:bodyPr/>
+                    <a:lstStyle/>
+                    <a:p>
+                      <a:r>
+                        <a:rPr lang="en-US" dirty="0"/>
+                        <a:t>-0.12</a:t>
+                      </a:r>
+                    </a:p>
+                  </a:txBody>
+                  <a:tcPr/>
+                </a:tc>
+                <a:tc>
+                  <a:txBody>
+                    <a:bodyPr/>
+                    <a:lstStyle/>
+                    <a:p>
+                      <a:r>
+                        <a:rPr lang="en-US" dirty="0"/>
+                        <a:t>0.15</a:t>
+                      </a:r>
+                    </a:p>
+                  </a:txBody>
+                  <a:tcPr/>
+                </a:tc>
+                <a:tc>
+                  <a:txBody>
+                    <a:bodyPr/>
+                    <a:lstStyle/>
+                    <a:p>
+                      <a:r>
+                        <a:rPr lang="en-US" dirty="0"/>
+                        <a:t>-0.014</a:t>
+                      </a:r>
+                    </a:p>
+                  </a:txBody>
+                  <a:tcPr/>
+                </a:tc>
+                <a:extLst>
+                  <a:ext uri="{0D108BD9-81ED-4DB2-BD59-A6C34878D82A}">
+                    <a16:rowId xmlns:a16="http://schemas.microsoft.com/office/drawing/2014/main" val="3591589591"/>
+                  </a:ext>
+                </a:extLst>
+              </a:tr>
+              <a:tr h="924927">
+                <a:tc>
+                  <a:txBody>
+                    <a:bodyPr/>
+                    <a:lstStyle/>
+                    <a:p>
+                      <a:r>
+                        <a:rPr lang="en-US" b="1" dirty="0"/>
+                        <a:t>MSE</a:t>
+                      </a:r>
+                    </a:p>
+                  </a:txBody>
+                  <a:tcPr/>
+                </a:tc>
+                <a:tc>
+                  <a:txBody>
+                    <a:bodyPr/>
+                    <a:lstStyle/>
+                    <a:p>
+                      <a:r>
+                        <a:rPr lang="en-US" dirty="0"/>
+                        <a:t>1.06e16</a:t>
+                      </a:r>
+                    </a:p>
+                  </a:txBody>
+                  <a:tcPr/>
+                </a:tc>
+                <a:tc>
+                  <a:txBody>
+                    <a:bodyPr/>
+                    <a:lstStyle/>
+                    <a:p>
+                      <a:r>
+                        <a:rPr lang="en-US" dirty="0"/>
+                        <a:t>8.9e16</a:t>
+                      </a:r>
+                    </a:p>
+                  </a:txBody>
+                  <a:tcPr/>
+                </a:tc>
+                <a:tc>
+                  <a:txBody>
+                    <a:bodyPr/>
+                    <a:lstStyle/>
+                    <a:p>
+                      <a:r>
+                        <a:rPr lang="en-US" dirty="0"/>
+                        <a:t>6.7e15</a:t>
+                      </a:r>
+                    </a:p>
+                  </a:txBody>
+                  <a:tcPr/>
+                </a:tc>
+                <a:tc>
+                  <a:txBody>
+                    <a:bodyPr/>
+                    <a:lstStyle/>
+                    <a:p>
+                      <a:r>
+                        <a:rPr lang="en-US" dirty="0"/>
+                        <a:t>9.8e15</a:t>
+                      </a:r>
+                    </a:p>
+                  </a:txBody>
+                  <a:tcPr/>
+                </a:tc>
+                <a:extLst>
+                  <a:ext uri="{0D108BD9-81ED-4DB2-BD59-A6C34878D82A}">
+                    <a16:rowId xmlns:a16="http://schemas.microsoft.com/office/drawing/2014/main" val="1679373021"/>
+                  </a:ext>
+                </a:extLst>
+              </a:tr>
+            </a:tbl>
+          </a:graphicData>
+        </a:graphic>
+      </p:graphicFrame>
+    </p:spTree>
+    <p:extLst>
+      <p:ext uri="{BB962C8B-B14F-4D97-AF65-F5344CB8AC3E}">
+        <p14:creationId xmlns:p14="http://schemas.microsoft.com/office/powerpoint/2010/main" val="1068287994"/>
+      </p:ext>
+    </p:extLst>
+  </p:cSld>
+  <p:clrMapOvr>
+    <a:masterClrMapping/>
+  </p:clrMapOvr>
+</p:sld>
+</file>
+
+<file path=ppt/slides/slide14.xml><?xml version="1.0" encoding="utf-8"?>
 <p:sld xmlns:a="http://schemas.openxmlformats.org/drawingml/2006/main" xmlns:r="http://schemas.openxmlformats.org/officeDocument/2006/relationships" xmlns:p="http://schemas.openxmlformats.org/presentationml/2006/main">
   <p:cSld>
     <p:spTree>
@@ -8441,7 +9110,7 @@
 </p:sld>
 </file>
 
-<file path=ppt/slides/slide12.xml><?xml version="1.0" encoding="utf-8"?>
+<file path=ppt/slides/slide15.xml><?xml version="1.0" encoding="utf-8"?>
 <p:sld xmlns:a="http://schemas.openxmlformats.org/drawingml/2006/main" xmlns:r="http://schemas.openxmlformats.org/officeDocument/2006/relationships" xmlns:p="http://schemas.openxmlformats.org/presentationml/2006/main">
   <p:cSld>
     <p:spTree>
@@ -8463,7 +9132,7 @@
           <p:cNvPr id="2" name="Title 1">
             <a:extLst>
               <a:ext uri="{FF2B5EF4-FFF2-40B4-BE49-F238E27FC236}">
-                <a16:creationId xmlns:a16="http://schemas.microsoft.com/office/drawing/2014/main" id="{6B64AD24-7AE5-4B8D-9722-4562B25003A6}"/>
+                <a16:creationId xmlns:a16="http://schemas.microsoft.com/office/drawing/2014/main" id="{D9022291-351B-4169-A376-BC134112F684}"/>
               </a:ext>
             </a:extLst>
           </p:cNvPr>
@@ -8479,302 +9148,43 @@
           <a:bodyPr/>
           <a:lstStyle/>
           <a:p>
-            <a:r>
-              <a:rPr lang="en-US" dirty="0">
-                <a:latin typeface="Calibri" panose="020F0502020204030204" pitchFamily="34" charset="0"/>
-                <a:cs typeface="Calibri" panose="020F0502020204030204" pitchFamily="34" charset="0"/>
-              </a:rPr>
-              <a:t>Regression Models</a:t>
-            </a:r>
+            <a:endParaRPr lang="en-US" dirty="0"/>
           </a:p>
         </p:txBody>
       </p:sp>
-      <p:graphicFrame>
-        <p:nvGraphicFramePr>
-          <p:cNvPr id="4" name="Table 4">
+      <p:pic>
+        <p:nvPicPr>
+          <p:cNvPr id="7" name="Content Placeholder 6" descr="A screenshot of a cell phone&#10;&#10;Description automatically generated">
             <a:extLst>
               <a:ext uri="{FF2B5EF4-FFF2-40B4-BE49-F238E27FC236}">
-                <a16:creationId xmlns:a16="http://schemas.microsoft.com/office/drawing/2014/main" id="{87C5C70B-32D7-4514-B115-2BB120B1C8A8}"/>
+                <a16:creationId xmlns:a16="http://schemas.microsoft.com/office/drawing/2014/main" id="{7D5BA259-A9CF-4DB3-A3F2-1ACA435E14F7}"/>
               </a:ext>
             </a:extLst>
           </p:cNvPr>
-          <p:cNvGraphicFramePr>
-            <a:graphicFrameLocks noGrp="1"/>
-          </p:cNvGraphicFramePr>
+          <p:cNvPicPr>
+            <a:picLocks noGrp="1" noChangeAspect="1"/>
+          </p:cNvPicPr>
           <p:nvPr>
             <p:ph idx="1"/>
-            <p:extLst>
-              <p:ext uri="{D42A27DB-BD31-4B8C-83A1-F6EECF244321}">
-                <p14:modId xmlns:p14="http://schemas.microsoft.com/office/powerpoint/2010/main" val="576041669"/>
-              </p:ext>
-            </p:extLst>
           </p:nvPr>
-        </p:nvGraphicFramePr>
-        <p:xfrm>
-          <a:off x="2589212" y="1905000"/>
-          <a:ext cx="9450385" cy="2811411"/>
-        </p:xfrm>
-        <a:graphic>
-          <a:graphicData uri="http://schemas.openxmlformats.org/drawingml/2006/table">
-            <a:tbl>
-              <a:tblPr firstRow="1" bandRow="1">
-                <a:tableStyleId>{5C22544A-7EE6-4342-B048-85BDC9FD1C3A}</a:tableStyleId>
-              </a:tblPr>
-              <a:tblGrid>
-                <a:gridCol w="1890077">
-                  <a:extLst>
-                    <a:ext uri="{9D8B030D-6E8A-4147-A177-3AD203B41FA5}">
-                      <a16:colId xmlns:a16="http://schemas.microsoft.com/office/drawing/2014/main" val="1171436048"/>
-                    </a:ext>
-                  </a:extLst>
-                </a:gridCol>
-                <a:gridCol w="1890077">
-                  <a:extLst>
-                    <a:ext uri="{9D8B030D-6E8A-4147-A177-3AD203B41FA5}">
-                      <a16:colId xmlns:a16="http://schemas.microsoft.com/office/drawing/2014/main" val="4277697129"/>
-                    </a:ext>
-                  </a:extLst>
-                </a:gridCol>
-                <a:gridCol w="1890077">
-                  <a:extLst>
-                    <a:ext uri="{9D8B030D-6E8A-4147-A177-3AD203B41FA5}">
-                      <a16:colId xmlns:a16="http://schemas.microsoft.com/office/drawing/2014/main" val="907821545"/>
-                    </a:ext>
-                  </a:extLst>
-                </a:gridCol>
-                <a:gridCol w="1890077">
-                  <a:extLst>
-                    <a:ext uri="{9D8B030D-6E8A-4147-A177-3AD203B41FA5}">
-                      <a16:colId xmlns:a16="http://schemas.microsoft.com/office/drawing/2014/main" val="1595768406"/>
-                    </a:ext>
-                  </a:extLst>
-                </a:gridCol>
-                <a:gridCol w="1890077">
-                  <a:extLst>
-                    <a:ext uri="{9D8B030D-6E8A-4147-A177-3AD203B41FA5}">
-                      <a16:colId xmlns:a16="http://schemas.microsoft.com/office/drawing/2014/main" val="3843693855"/>
-                    </a:ext>
-                  </a:extLst>
-                </a:gridCol>
-              </a:tblGrid>
-              <a:tr h="961557">
-                <a:tc>
-                  <a:txBody>
-                    <a:bodyPr/>
-                    <a:lstStyle/>
-                    <a:p>
-                      <a:endParaRPr lang="en-US" dirty="0"/>
-                    </a:p>
-                  </a:txBody>
-                  <a:tcPr/>
-                </a:tc>
-                <a:tc>
-                  <a:txBody>
-                    <a:bodyPr/>
-                    <a:lstStyle/>
-                    <a:p>
-                      <a:r>
-                        <a:rPr lang="en-US" dirty="0"/>
-                        <a:t>XGBOOST</a:t>
-                      </a:r>
-                    </a:p>
-                  </a:txBody>
-                  <a:tcPr/>
-                </a:tc>
-                <a:tc>
-                  <a:txBody>
-                    <a:bodyPr/>
-                    <a:lstStyle/>
-                    <a:p>
-                      <a:r>
-                        <a:rPr lang="en-US" dirty="0"/>
-                        <a:t>SVM</a:t>
-                      </a:r>
-                    </a:p>
-                  </a:txBody>
-                  <a:tcPr/>
-                </a:tc>
-                <a:tc>
-                  <a:txBody>
-                    <a:bodyPr/>
-                    <a:lstStyle/>
-                    <a:p>
-                      <a:r>
-                        <a:rPr lang="en-US" dirty="0"/>
-                        <a:t>RANDOM FOREST</a:t>
-                      </a:r>
-                    </a:p>
-                  </a:txBody>
-                  <a:tcPr/>
-                </a:tc>
-                <a:tc>
-                  <a:txBody>
-                    <a:bodyPr/>
-                    <a:lstStyle/>
-                    <a:p>
-                      <a:r>
-                        <a:rPr lang="en-US" dirty="0"/>
-                        <a:t>MULTI LINEAR PERCEPTRON REGRESSOR</a:t>
-                      </a:r>
-                    </a:p>
-                  </a:txBody>
-                  <a:tcPr/>
-                </a:tc>
-                <a:extLst>
-                  <a:ext uri="{0D108BD9-81ED-4DB2-BD59-A6C34878D82A}">
-                    <a16:rowId xmlns:a16="http://schemas.microsoft.com/office/drawing/2014/main" val="1640594788"/>
-                  </a:ext>
-                </a:extLst>
-              </a:tr>
-              <a:tr h="924927">
-                <a:tc>
-                  <a:txBody>
-                    <a:bodyPr/>
-                    <a:lstStyle/>
-                    <a:p>
-                      <a:r>
-                        <a:rPr lang="en-US" b="1" dirty="0"/>
-                        <a:t>R SQUARE</a:t>
-                      </a:r>
-                    </a:p>
-                  </a:txBody>
-                  <a:tcPr/>
-                </a:tc>
-                <a:tc>
-                  <a:txBody>
-                    <a:bodyPr/>
-                    <a:lstStyle/>
-                    <a:p>
-                      <a:r>
-                        <a:rPr lang="en-US" dirty="0"/>
-                        <a:t>-0.33</a:t>
-                      </a:r>
-                    </a:p>
-                  </a:txBody>
-                  <a:tcPr/>
-                </a:tc>
-                <a:tc>
-                  <a:txBody>
-                    <a:bodyPr/>
-                    <a:lstStyle/>
-                    <a:p>
-                      <a:r>
-                        <a:rPr lang="en-US" dirty="0"/>
-                        <a:t>-0.12</a:t>
-                      </a:r>
-                    </a:p>
-                  </a:txBody>
-                  <a:tcPr/>
-                </a:tc>
-                <a:tc>
-                  <a:txBody>
-                    <a:bodyPr/>
-                    <a:lstStyle/>
-                    <a:p>
-                      <a:r>
-                        <a:rPr lang="en-US" dirty="0"/>
-                        <a:t>0.15</a:t>
-                      </a:r>
-                    </a:p>
-                  </a:txBody>
-                  <a:tcPr/>
-                </a:tc>
-                <a:tc>
-                  <a:txBody>
-                    <a:bodyPr/>
-                    <a:lstStyle/>
-                    <a:p>
-                      <a:r>
-                        <a:rPr lang="en-US" dirty="0"/>
-                        <a:t>-0.014</a:t>
-                      </a:r>
-                    </a:p>
-                  </a:txBody>
-                  <a:tcPr/>
-                </a:tc>
-                <a:extLst>
-                  <a:ext uri="{0D108BD9-81ED-4DB2-BD59-A6C34878D82A}">
-                    <a16:rowId xmlns:a16="http://schemas.microsoft.com/office/drawing/2014/main" val="3591589591"/>
-                  </a:ext>
-                </a:extLst>
-              </a:tr>
-              <a:tr h="924927">
-                <a:tc>
-                  <a:txBody>
-                    <a:bodyPr/>
-                    <a:lstStyle/>
-                    <a:p>
-                      <a:r>
-                        <a:rPr lang="en-US" b="1" dirty="0"/>
-                        <a:t>MSE</a:t>
-                      </a:r>
-                    </a:p>
-                  </a:txBody>
-                  <a:tcPr/>
-                </a:tc>
-                <a:tc>
-                  <a:txBody>
-                    <a:bodyPr/>
-                    <a:lstStyle/>
-                    <a:p>
-                      <a:r>
-                        <a:rPr lang="en-US" dirty="0"/>
-                        <a:t>1.06e16</a:t>
-                      </a:r>
-                    </a:p>
-                  </a:txBody>
-                  <a:tcPr/>
-                </a:tc>
-                <a:tc>
-                  <a:txBody>
-                    <a:bodyPr/>
-                    <a:lstStyle/>
-                    <a:p>
-                      <a:r>
-                        <a:rPr lang="en-US" dirty="0"/>
-                        <a:t>8.9e16</a:t>
-                      </a:r>
-                    </a:p>
-                  </a:txBody>
-                  <a:tcPr/>
-                </a:tc>
-                <a:tc>
-                  <a:txBody>
-                    <a:bodyPr/>
-                    <a:lstStyle/>
-                    <a:p>
-                      <a:r>
-                        <a:rPr lang="en-US" dirty="0"/>
-                        <a:t>6.7e15</a:t>
-                      </a:r>
-                    </a:p>
-                  </a:txBody>
-                  <a:tcPr/>
-                </a:tc>
-                <a:tc>
-                  <a:txBody>
-                    <a:bodyPr/>
-                    <a:lstStyle/>
-                    <a:p>
-                      <a:endParaRPr lang="en-US" dirty="0"/>
-                    </a:p>
-                  </a:txBody>
-                  <a:tcPr/>
-                </a:tc>
-                <a:extLst>
-                  <a:ext uri="{0D108BD9-81ED-4DB2-BD59-A6C34878D82A}">
-                    <a16:rowId xmlns:a16="http://schemas.microsoft.com/office/drawing/2014/main" val="1679373021"/>
-                  </a:ext>
-                </a:extLst>
-              </a:tr>
-            </a:tbl>
-          </a:graphicData>
-        </a:graphic>
-      </p:graphicFrame>
+        </p:nvPicPr>
+        <p:blipFill>
+          <a:blip r:embed="rId2"/>
+          <a:stretch>
+            <a:fillRect/>
+          </a:stretch>
+        </p:blipFill>
+        <p:spPr>
+          <a:xfrm>
+            <a:off x="1273592" y="624110"/>
+            <a:ext cx="10343782" cy="6015841"/>
+          </a:xfrm>
+        </p:spPr>
+      </p:pic>
     </p:spTree>
     <p:extLst>
       <p:ext uri="{BB962C8B-B14F-4D97-AF65-F5344CB8AC3E}">
-        <p14:creationId xmlns:p14="http://schemas.microsoft.com/office/powerpoint/2010/main" val="1068287994"/>
+        <p14:creationId xmlns:p14="http://schemas.microsoft.com/office/powerpoint/2010/main" val="2876772456"/>
       </p:ext>
     </p:extLst>
   </p:cSld>
@@ -8784,7 +9194,7 @@
 </p:sld>
 </file>
 
-<file path=ppt/slides/slide13.xml><?xml version="1.0" encoding="utf-8"?>
+<file path=ppt/slides/slide16.xml><?xml version="1.0" encoding="utf-8"?>
 <p:sld xmlns:a="http://schemas.openxmlformats.org/drawingml/2006/main" xmlns:r="http://schemas.openxmlformats.org/officeDocument/2006/relationships" xmlns:p="http://schemas.openxmlformats.org/presentationml/2006/main">
   <p:cSld>
     <p:spTree>
@@ -8930,10 +9340,239 @@
   <p:clrMapOvr>
     <a:masterClrMapping/>
   </p:clrMapOvr>
+  <p:timing>
+    <p:tnLst>
+      <p:par>
+        <p:cTn id="1" dur="indefinite" restart="never" nodeType="tmRoot">
+          <p:childTnLst>
+            <p:seq concurrent="1" nextAc="seek">
+              <p:cTn id="2" dur="indefinite" nodeType="mainSeq">
+                <p:childTnLst>
+                  <p:par>
+                    <p:cTn id="3" fill="hold">
+                      <p:stCondLst>
+                        <p:cond delay="indefinite"/>
+                      </p:stCondLst>
+                      <p:childTnLst>
+                        <p:par>
+                          <p:cTn id="4" fill="hold">
+                            <p:stCondLst>
+                              <p:cond delay="0"/>
+                            </p:stCondLst>
+                            <p:childTnLst>
+                              <p:par>
+                                <p:cTn id="5" presetID="1" presetClass="entr" presetSubtype="0" fill="hold" grpId="0" nodeType="clickEffect">
+                                  <p:stCondLst>
+                                    <p:cond delay="0"/>
+                                  </p:stCondLst>
+                                  <p:childTnLst>
+                                    <p:set>
+                                      <p:cBhvr>
+                                        <p:cTn id="6" dur="1" fill="hold">
+                                          <p:stCondLst>
+                                            <p:cond delay="0"/>
+                                          </p:stCondLst>
+                                        </p:cTn>
+                                        <p:tgtEl>
+                                          <p:spTgt spid="3">
+                                            <p:txEl>
+                                              <p:pRg st="0" end="0"/>
+                                            </p:txEl>
+                                          </p:spTgt>
+                                        </p:tgtEl>
+                                        <p:attrNameLst>
+                                          <p:attrName>style.visibility</p:attrName>
+                                        </p:attrNameLst>
+                                      </p:cBhvr>
+                                      <p:to>
+                                        <p:strVal val="visible"/>
+                                      </p:to>
+                                    </p:set>
+                                  </p:childTnLst>
+                                </p:cTn>
+                              </p:par>
+                            </p:childTnLst>
+                          </p:cTn>
+                        </p:par>
+                      </p:childTnLst>
+                    </p:cTn>
+                  </p:par>
+                  <p:par>
+                    <p:cTn id="7" fill="hold">
+                      <p:stCondLst>
+                        <p:cond delay="indefinite"/>
+                      </p:stCondLst>
+                      <p:childTnLst>
+                        <p:par>
+                          <p:cTn id="8" fill="hold">
+                            <p:stCondLst>
+                              <p:cond delay="0"/>
+                            </p:stCondLst>
+                            <p:childTnLst>
+                              <p:par>
+                                <p:cTn id="9" presetID="1" presetClass="entr" presetSubtype="0" fill="hold" grpId="0" nodeType="clickEffect">
+                                  <p:stCondLst>
+                                    <p:cond delay="0"/>
+                                  </p:stCondLst>
+                                  <p:childTnLst>
+                                    <p:set>
+                                      <p:cBhvr>
+                                        <p:cTn id="10" dur="1" fill="hold">
+                                          <p:stCondLst>
+                                            <p:cond delay="0"/>
+                                          </p:stCondLst>
+                                        </p:cTn>
+                                        <p:tgtEl>
+                                          <p:spTgt spid="3">
+                                            <p:txEl>
+                                              <p:pRg st="1" end="1"/>
+                                            </p:txEl>
+                                          </p:spTgt>
+                                        </p:tgtEl>
+                                        <p:attrNameLst>
+                                          <p:attrName>style.visibility</p:attrName>
+                                        </p:attrNameLst>
+                                      </p:cBhvr>
+                                      <p:to>
+                                        <p:strVal val="visible"/>
+                                      </p:to>
+                                    </p:set>
+                                  </p:childTnLst>
+                                </p:cTn>
+                              </p:par>
+                            </p:childTnLst>
+                          </p:cTn>
+                        </p:par>
+                      </p:childTnLst>
+                    </p:cTn>
+                  </p:par>
+                  <p:par>
+                    <p:cTn id="11" fill="hold">
+                      <p:stCondLst>
+                        <p:cond delay="indefinite"/>
+                      </p:stCondLst>
+                      <p:childTnLst>
+                        <p:par>
+                          <p:cTn id="12" fill="hold">
+                            <p:stCondLst>
+                              <p:cond delay="0"/>
+                            </p:stCondLst>
+                            <p:childTnLst>
+                              <p:par>
+                                <p:cTn id="13" presetID="1" presetClass="entr" presetSubtype="0" fill="hold" grpId="0" nodeType="clickEffect">
+                                  <p:stCondLst>
+                                    <p:cond delay="0"/>
+                                  </p:stCondLst>
+                                  <p:childTnLst>
+                                    <p:set>
+                                      <p:cBhvr>
+                                        <p:cTn id="14" dur="1" fill="hold">
+                                          <p:stCondLst>
+                                            <p:cond delay="0"/>
+                                          </p:stCondLst>
+                                        </p:cTn>
+                                        <p:tgtEl>
+                                          <p:spTgt spid="3">
+                                            <p:txEl>
+                                              <p:pRg st="2" end="2"/>
+                                            </p:txEl>
+                                          </p:spTgt>
+                                        </p:tgtEl>
+                                        <p:attrNameLst>
+                                          <p:attrName>style.visibility</p:attrName>
+                                        </p:attrNameLst>
+                                      </p:cBhvr>
+                                      <p:to>
+                                        <p:strVal val="visible"/>
+                                      </p:to>
+                                    </p:set>
+                                  </p:childTnLst>
+                                </p:cTn>
+                              </p:par>
+                            </p:childTnLst>
+                          </p:cTn>
+                        </p:par>
+                      </p:childTnLst>
+                    </p:cTn>
+                  </p:par>
+                  <p:par>
+                    <p:cTn id="15" fill="hold">
+                      <p:stCondLst>
+                        <p:cond delay="indefinite"/>
+                      </p:stCondLst>
+                      <p:childTnLst>
+                        <p:par>
+                          <p:cTn id="16" fill="hold">
+                            <p:stCondLst>
+                              <p:cond delay="0"/>
+                            </p:stCondLst>
+                            <p:childTnLst>
+                              <p:par>
+                                <p:cTn id="17" presetID="1" presetClass="entr" presetSubtype="0" fill="hold" grpId="0" nodeType="clickEffect">
+                                  <p:stCondLst>
+                                    <p:cond delay="0"/>
+                                  </p:stCondLst>
+                                  <p:childTnLst>
+                                    <p:set>
+                                      <p:cBhvr>
+                                        <p:cTn id="18" dur="1" fill="hold">
+                                          <p:stCondLst>
+                                            <p:cond delay="0"/>
+                                          </p:stCondLst>
+                                        </p:cTn>
+                                        <p:tgtEl>
+                                          <p:spTgt spid="3">
+                                            <p:txEl>
+                                              <p:pRg st="3" end="3"/>
+                                            </p:txEl>
+                                          </p:spTgt>
+                                        </p:tgtEl>
+                                        <p:attrNameLst>
+                                          <p:attrName>style.visibility</p:attrName>
+                                        </p:attrNameLst>
+                                      </p:cBhvr>
+                                      <p:to>
+                                        <p:strVal val="visible"/>
+                                      </p:to>
+                                    </p:set>
+                                  </p:childTnLst>
+                                </p:cTn>
+                              </p:par>
+                            </p:childTnLst>
+                          </p:cTn>
+                        </p:par>
+                      </p:childTnLst>
+                    </p:cTn>
+                  </p:par>
+                </p:childTnLst>
+              </p:cTn>
+              <p:prevCondLst>
+                <p:cond evt="onPrev" delay="0">
+                  <p:tgtEl>
+                    <p:sldTgt/>
+                  </p:tgtEl>
+                </p:cond>
+              </p:prevCondLst>
+              <p:nextCondLst>
+                <p:cond evt="onNext" delay="0">
+                  <p:tgtEl>
+                    <p:sldTgt/>
+                  </p:tgtEl>
+                </p:cond>
+              </p:nextCondLst>
+            </p:seq>
+          </p:childTnLst>
+        </p:cTn>
+      </p:par>
+    </p:tnLst>
+    <p:bldLst>
+      <p:bldP spid="3" grpId="0" build="p"/>
+    </p:bldLst>
+  </p:timing>
 </p:sld>
 </file>
 
-<file path=ppt/slides/slide14.xml><?xml version="1.0" encoding="utf-8"?>
+<file path=ppt/slides/slide17.xml><?xml version="1.0" encoding="utf-8"?>
 <p:sld xmlns:a="http://schemas.openxmlformats.org/drawingml/2006/main" xmlns:r="http://schemas.openxmlformats.org/officeDocument/2006/relationships" xmlns:p="http://schemas.openxmlformats.org/presentationml/2006/main">
   <p:cSld>
     <p:spTree>
@@ -8973,8 +9612,8 @@
           <a:p>
             <a:r>
               <a:rPr lang="en-US" dirty="0">
-                <a:latin typeface="Times New Roman" panose="02020603050405020304" pitchFamily="18" charset="0"/>
-                <a:cs typeface="Times New Roman" panose="02020603050405020304" pitchFamily="18" charset="0"/>
+                <a:latin typeface="Calibri" panose="020F0502020204030204" pitchFamily="34" charset="0"/>
+                <a:cs typeface="Calibri" panose="020F0502020204030204" pitchFamily="34" charset="0"/>
               </a:rPr>
               <a:t>What we have learned</a:t>
             </a:r>
@@ -9006,8 +9645,8 @@
           <a:p>
             <a:r>
               <a:rPr lang="en-US" sz="2400" dirty="0">
-                <a:latin typeface="Times New Roman" panose="02020603050405020304" pitchFamily="18" charset="0"/>
-                <a:cs typeface="Times New Roman" panose="02020603050405020304" pitchFamily="18" charset="0"/>
+                <a:latin typeface="Calibri" panose="020F0502020204030204" pitchFamily="34" charset="0"/>
+                <a:cs typeface="Calibri" panose="020F0502020204030204" pitchFamily="34" charset="0"/>
               </a:rPr>
               <a:t>Clean data appropriately</a:t>
             </a:r>
@@ -9015,8 +9654,8 @@
           <a:p>
             <a:r>
               <a:rPr lang="en-US" sz="2400" dirty="0">
-                <a:latin typeface="Times New Roman" panose="02020603050405020304" pitchFamily="18" charset="0"/>
-                <a:cs typeface="Times New Roman" panose="02020603050405020304" pitchFamily="18" charset="0"/>
+                <a:latin typeface="Calibri" panose="020F0502020204030204" pitchFamily="34" charset="0"/>
+                <a:cs typeface="Calibri" panose="020F0502020204030204" pitchFamily="34" charset="0"/>
               </a:rPr>
               <a:t>Implement machine learning models in Python</a:t>
             </a:r>
@@ -9024,8 +9663,8 @@
           <a:p>
             <a:r>
               <a:rPr lang="en-US" sz="2400" dirty="0">
-                <a:latin typeface="Times New Roman" panose="02020603050405020304" pitchFamily="18" charset="0"/>
-                <a:cs typeface="Times New Roman" panose="02020603050405020304" pitchFamily="18" charset="0"/>
+                <a:latin typeface="Calibri" panose="020F0502020204030204" pitchFamily="34" charset="0"/>
+                <a:cs typeface="Calibri" panose="020F0502020204030204" pitchFamily="34" charset="0"/>
               </a:rPr>
               <a:t>Tuning parameters for eight different models </a:t>
             </a:r>
@@ -9033,8 +9672,8 @@
           <a:p>
             <a:r>
               <a:rPr lang="en-US" sz="2400" dirty="0">
-                <a:latin typeface="Times New Roman" panose="02020603050405020304" pitchFamily="18" charset="0"/>
-                <a:cs typeface="Times New Roman" panose="02020603050405020304" pitchFamily="18" charset="0"/>
+                <a:latin typeface="Calibri" panose="020F0502020204030204" pitchFamily="34" charset="0"/>
+                <a:cs typeface="Calibri" panose="020F0502020204030204" pitchFamily="34" charset="0"/>
               </a:rPr>
               <a:t>Build indications from the results of data analysis</a:t>
             </a:r>
@@ -9042,8 +9681,8 @@
           <a:p>
             <a:r>
               <a:rPr lang="en-US" sz="2400" dirty="0">
-                <a:latin typeface="Times New Roman" panose="02020603050405020304" pitchFamily="18" charset="0"/>
-                <a:cs typeface="Times New Roman" panose="02020603050405020304" pitchFamily="18" charset="0"/>
+                <a:latin typeface="Calibri" panose="020F0502020204030204" pitchFamily="34" charset="0"/>
+                <a:cs typeface="Calibri" panose="020F0502020204030204" pitchFamily="34" charset="0"/>
               </a:rPr>
               <a:t>Practice project presentation</a:t>
             </a:r>
@@ -9051,8 +9690,8 @@
           <a:p>
             <a:r>
               <a:rPr lang="en-US" sz="2400" dirty="0">
-                <a:latin typeface="Times New Roman" panose="02020603050405020304" pitchFamily="18" charset="0"/>
-                <a:cs typeface="Times New Roman" panose="02020603050405020304" pitchFamily="18" charset="0"/>
+                <a:latin typeface="Calibri" panose="020F0502020204030204" pitchFamily="34" charset="0"/>
+                <a:cs typeface="Calibri" panose="020F0502020204030204" pitchFamily="34" charset="0"/>
               </a:rPr>
               <a:t>In-depth understanding on data analysis process</a:t>
             </a:r>
@@ -9199,6 +9838,284 @@
   <p:clrMapOvr>
     <a:masterClrMapping/>
   </p:clrMapOvr>
+  <p:timing>
+    <p:tnLst>
+      <p:par>
+        <p:cTn id="1" dur="indefinite" restart="never" nodeType="tmRoot">
+          <p:childTnLst>
+            <p:seq concurrent="1" nextAc="seek">
+              <p:cTn id="2" dur="indefinite" nodeType="mainSeq">
+                <p:childTnLst>
+                  <p:par>
+                    <p:cTn id="3" fill="hold">
+                      <p:stCondLst>
+                        <p:cond delay="indefinite"/>
+                      </p:stCondLst>
+                      <p:childTnLst>
+                        <p:par>
+                          <p:cTn id="4" fill="hold">
+                            <p:stCondLst>
+                              <p:cond delay="0"/>
+                            </p:stCondLst>
+                            <p:childTnLst>
+                              <p:par>
+                                <p:cTn id="5" presetID="1" presetClass="entr" presetSubtype="0" fill="hold" grpId="0" nodeType="clickEffect">
+                                  <p:stCondLst>
+                                    <p:cond delay="0"/>
+                                  </p:stCondLst>
+                                  <p:childTnLst>
+                                    <p:set>
+                                      <p:cBhvr>
+                                        <p:cTn id="6" dur="1" fill="hold">
+                                          <p:stCondLst>
+                                            <p:cond delay="0"/>
+                                          </p:stCondLst>
+                                        </p:cTn>
+                                        <p:tgtEl>
+                                          <p:spTgt spid="3">
+                                            <p:txEl>
+                                              <p:pRg st="0" end="0"/>
+                                            </p:txEl>
+                                          </p:spTgt>
+                                        </p:tgtEl>
+                                        <p:attrNameLst>
+                                          <p:attrName>style.visibility</p:attrName>
+                                        </p:attrNameLst>
+                                      </p:cBhvr>
+                                      <p:to>
+                                        <p:strVal val="visible"/>
+                                      </p:to>
+                                    </p:set>
+                                  </p:childTnLst>
+                                </p:cTn>
+                              </p:par>
+                            </p:childTnLst>
+                          </p:cTn>
+                        </p:par>
+                      </p:childTnLst>
+                    </p:cTn>
+                  </p:par>
+                  <p:par>
+                    <p:cTn id="7" fill="hold">
+                      <p:stCondLst>
+                        <p:cond delay="indefinite"/>
+                      </p:stCondLst>
+                      <p:childTnLst>
+                        <p:par>
+                          <p:cTn id="8" fill="hold">
+                            <p:stCondLst>
+                              <p:cond delay="0"/>
+                            </p:stCondLst>
+                            <p:childTnLst>
+                              <p:par>
+                                <p:cTn id="9" presetID="1" presetClass="entr" presetSubtype="0" fill="hold" grpId="0" nodeType="clickEffect">
+                                  <p:stCondLst>
+                                    <p:cond delay="0"/>
+                                  </p:stCondLst>
+                                  <p:childTnLst>
+                                    <p:set>
+                                      <p:cBhvr>
+                                        <p:cTn id="10" dur="1" fill="hold">
+                                          <p:stCondLst>
+                                            <p:cond delay="0"/>
+                                          </p:stCondLst>
+                                        </p:cTn>
+                                        <p:tgtEl>
+                                          <p:spTgt spid="3">
+                                            <p:txEl>
+                                              <p:pRg st="1" end="1"/>
+                                            </p:txEl>
+                                          </p:spTgt>
+                                        </p:tgtEl>
+                                        <p:attrNameLst>
+                                          <p:attrName>style.visibility</p:attrName>
+                                        </p:attrNameLst>
+                                      </p:cBhvr>
+                                      <p:to>
+                                        <p:strVal val="visible"/>
+                                      </p:to>
+                                    </p:set>
+                                  </p:childTnLst>
+                                </p:cTn>
+                              </p:par>
+                            </p:childTnLst>
+                          </p:cTn>
+                        </p:par>
+                      </p:childTnLst>
+                    </p:cTn>
+                  </p:par>
+                  <p:par>
+                    <p:cTn id="11" fill="hold">
+                      <p:stCondLst>
+                        <p:cond delay="indefinite"/>
+                      </p:stCondLst>
+                      <p:childTnLst>
+                        <p:par>
+                          <p:cTn id="12" fill="hold">
+                            <p:stCondLst>
+                              <p:cond delay="0"/>
+                            </p:stCondLst>
+                            <p:childTnLst>
+                              <p:par>
+                                <p:cTn id="13" presetID="1" presetClass="entr" presetSubtype="0" fill="hold" grpId="0" nodeType="clickEffect">
+                                  <p:stCondLst>
+                                    <p:cond delay="0"/>
+                                  </p:stCondLst>
+                                  <p:childTnLst>
+                                    <p:set>
+                                      <p:cBhvr>
+                                        <p:cTn id="14" dur="1" fill="hold">
+                                          <p:stCondLst>
+                                            <p:cond delay="0"/>
+                                          </p:stCondLst>
+                                        </p:cTn>
+                                        <p:tgtEl>
+                                          <p:spTgt spid="3">
+                                            <p:txEl>
+                                              <p:pRg st="2" end="2"/>
+                                            </p:txEl>
+                                          </p:spTgt>
+                                        </p:tgtEl>
+                                        <p:attrNameLst>
+                                          <p:attrName>style.visibility</p:attrName>
+                                        </p:attrNameLst>
+                                      </p:cBhvr>
+                                      <p:to>
+                                        <p:strVal val="visible"/>
+                                      </p:to>
+                                    </p:set>
+                                  </p:childTnLst>
+                                </p:cTn>
+                              </p:par>
+                            </p:childTnLst>
+                          </p:cTn>
+                        </p:par>
+                      </p:childTnLst>
+                    </p:cTn>
+                  </p:par>
+                  <p:par>
+                    <p:cTn id="15" fill="hold">
+                      <p:stCondLst>
+                        <p:cond delay="indefinite"/>
+                      </p:stCondLst>
+                      <p:childTnLst>
+                        <p:par>
+                          <p:cTn id="16" fill="hold">
+                            <p:stCondLst>
+                              <p:cond delay="0"/>
+                            </p:stCondLst>
+                            <p:childTnLst>
+                              <p:par>
+                                <p:cTn id="17" presetID="1" presetClass="entr" presetSubtype="0" fill="hold" grpId="0" nodeType="clickEffect">
+                                  <p:stCondLst>
+                                    <p:cond delay="0"/>
+                                  </p:stCondLst>
+                                  <p:childTnLst>
+                                    <p:set>
+                                      <p:cBhvr>
+                                        <p:cTn id="18" dur="1" fill="hold">
+                                          <p:stCondLst>
+                                            <p:cond delay="0"/>
+                                          </p:stCondLst>
+                                        </p:cTn>
+                                        <p:tgtEl>
+                                          <p:spTgt spid="3">
+                                            <p:txEl>
+                                              <p:pRg st="3" end="3"/>
+                                            </p:txEl>
+                                          </p:spTgt>
+                                        </p:tgtEl>
+                                        <p:attrNameLst>
+                                          <p:attrName>style.visibility</p:attrName>
+                                        </p:attrNameLst>
+                                      </p:cBhvr>
+                                      <p:to>
+                                        <p:strVal val="visible"/>
+                                      </p:to>
+                                    </p:set>
+                                  </p:childTnLst>
+                                </p:cTn>
+                              </p:par>
+                            </p:childTnLst>
+                          </p:cTn>
+                        </p:par>
+                      </p:childTnLst>
+                    </p:cTn>
+                  </p:par>
+                  <p:par>
+                    <p:cTn id="19" fill="hold">
+                      <p:stCondLst>
+                        <p:cond delay="indefinite"/>
+                      </p:stCondLst>
+                      <p:childTnLst>
+                        <p:par>
+                          <p:cTn id="20" fill="hold">
+                            <p:stCondLst>
+                              <p:cond delay="0"/>
+                            </p:stCondLst>
+                            <p:childTnLst>
+                              <p:par>
+                                <p:cTn id="21" presetID="1" presetClass="entr" presetSubtype="0" fill="hold" grpId="0" nodeType="clickEffect">
+                                  <p:stCondLst>
+                                    <p:cond delay="0"/>
+                                  </p:stCondLst>
+                                  <p:childTnLst>
+                                    <p:set>
+                                      <p:cBhvr>
+                                        <p:cTn id="22" dur="1" fill="hold">
+                                          <p:stCondLst>
+                                            <p:cond delay="0"/>
+                                          </p:stCondLst>
+                                        </p:cTn>
+                                        <p:tgtEl>
+                                          <p:spTgt spid="3">
+                                            <p:txEl>
+                                              <p:pRg st="4" end="4"/>
+                                            </p:txEl>
+                                          </p:spTgt>
+                                        </p:tgtEl>
+                                        <p:attrNameLst>
+                                          <p:attrName>style.visibility</p:attrName>
+                                        </p:attrNameLst>
+                                      </p:cBhvr>
+                                      <p:to>
+                                        <p:strVal val="visible"/>
+                                      </p:to>
+                                    </p:set>
+                                  </p:childTnLst>
+                                </p:cTn>
+                              </p:par>
+                            </p:childTnLst>
+                          </p:cTn>
+                        </p:par>
+                      </p:childTnLst>
+                    </p:cTn>
+                  </p:par>
+                </p:childTnLst>
+              </p:cTn>
+              <p:prevCondLst>
+                <p:cond evt="onPrev" delay="0">
+                  <p:tgtEl>
+                    <p:sldTgt/>
+                  </p:tgtEl>
+                </p:cond>
+              </p:prevCondLst>
+              <p:nextCondLst>
+                <p:cond evt="onNext" delay="0">
+                  <p:tgtEl>
+                    <p:sldTgt/>
+                  </p:tgtEl>
+                </p:cond>
+              </p:nextCondLst>
+            </p:seq>
+          </p:childTnLst>
+        </p:cTn>
+      </p:par>
+    </p:tnLst>
+    <p:bldLst>
+      <p:bldP spid="3" grpId="0" build="p"/>
+    </p:bldLst>
+  </p:timing>
 </p:sld>
 </file>
 
@@ -11674,6 +12591,235 @@
   <p:clrMapOvr>
     <a:masterClrMapping/>
   </p:clrMapOvr>
+  <p:timing>
+    <p:tnLst>
+      <p:par>
+        <p:cTn id="1" dur="indefinite" restart="never" nodeType="tmRoot">
+          <p:childTnLst>
+            <p:seq concurrent="1" nextAc="seek">
+              <p:cTn id="2" dur="indefinite" nodeType="mainSeq">
+                <p:childTnLst>
+                  <p:par>
+                    <p:cTn id="3" fill="hold">
+                      <p:stCondLst>
+                        <p:cond delay="indefinite"/>
+                      </p:stCondLst>
+                      <p:childTnLst>
+                        <p:par>
+                          <p:cTn id="4" fill="hold">
+                            <p:stCondLst>
+                              <p:cond delay="0"/>
+                            </p:stCondLst>
+                            <p:childTnLst>
+                              <p:par>
+                                <p:cTn id="5" presetID="1" presetClass="entr" presetSubtype="0" fill="hold" grpId="0" nodeType="clickEffect">
+                                  <p:stCondLst>
+                                    <p:cond delay="0"/>
+                                  </p:stCondLst>
+                                  <p:childTnLst>
+                                    <p:set>
+                                      <p:cBhvr>
+                                        <p:cTn id="6" dur="1" fill="hold">
+                                          <p:stCondLst>
+                                            <p:cond delay="0"/>
+                                          </p:stCondLst>
+                                        </p:cTn>
+                                        <p:tgtEl>
+                                          <p:spTgt spid="3">
+                                            <p:txEl>
+                                              <p:pRg st="0" end="0"/>
+                                            </p:txEl>
+                                          </p:spTgt>
+                                        </p:tgtEl>
+                                        <p:attrNameLst>
+                                          <p:attrName>style.visibility</p:attrName>
+                                        </p:attrNameLst>
+                                      </p:cBhvr>
+                                      <p:to>
+                                        <p:strVal val="visible"/>
+                                      </p:to>
+                                    </p:set>
+                                  </p:childTnLst>
+                                </p:cTn>
+                              </p:par>
+                            </p:childTnLst>
+                          </p:cTn>
+                        </p:par>
+                      </p:childTnLst>
+                    </p:cTn>
+                  </p:par>
+                  <p:par>
+                    <p:cTn id="7" fill="hold">
+                      <p:stCondLst>
+                        <p:cond delay="indefinite"/>
+                      </p:stCondLst>
+                      <p:childTnLst>
+                        <p:par>
+                          <p:cTn id="8" fill="hold">
+                            <p:stCondLst>
+                              <p:cond delay="0"/>
+                            </p:stCondLst>
+                            <p:childTnLst>
+                              <p:par>
+                                <p:cTn id="9" presetID="1" presetClass="entr" presetSubtype="0" fill="hold" grpId="0" nodeType="clickEffect">
+                                  <p:stCondLst>
+                                    <p:cond delay="0"/>
+                                  </p:stCondLst>
+                                  <p:childTnLst>
+                                    <p:set>
+                                      <p:cBhvr>
+                                        <p:cTn id="10" dur="1" fill="hold">
+                                          <p:stCondLst>
+                                            <p:cond delay="0"/>
+                                          </p:stCondLst>
+                                        </p:cTn>
+                                        <p:tgtEl>
+                                          <p:spTgt spid="3">
+                                            <p:txEl>
+                                              <p:pRg st="1" end="1"/>
+                                            </p:txEl>
+                                          </p:spTgt>
+                                        </p:tgtEl>
+                                        <p:attrNameLst>
+                                          <p:attrName>style.visibility</p:attrName>
+                                        </p:attrNameLst>
+                                      </p:cBhvr>
+                                      <p:to>
+                                        <p:strVal val="visible"/>
+                                      </p:to>
+                                    </p:set>
+                                  </p:childTnLst>
+                                </p:cTn>
+                              </p:par>
+                            </p:childTnLst>
+                          </p:cTn>
+                        </p:par>
+                      </p:childTnLst>
+                    </p:cTn>
+                  </p:par>
+                  <p:par>
+                    <p:cTn id="11" fill="hold">
+                      <p:stCondLst>
+                        <p:cond delay="indefinite"/>
+                      </p:stCondLst>
+                      <p:childTnLst>
+                        <p:par>
+                          <p:cTn id="12" fill="hold">
+                            <p:stCondLst>
+                              <p:cond delay="0"/>
+                            </p:stCondLst>
+                            <p:childTnLst>
+                              <p:par>
+                                <p:cTn id="13" presetID="1" presetClass="entr" presetSubtype="0" fill="hold" grpId="0" nodeType="clickEffect">
+                                  <p:stCondLst>
+                                    <p:cond delay="0"/>
+                                  </p:stCondLst>
+                                  <p:childTnLst>
+                                    <p:set>
+                                      <p:cBhvr>
+                                        <p:cTn id="14" dur="1" fill="hold">
+                                          <p:stCondLst>
+                                            <p:cond delay="0"/>
+                                          </p:stCondLst>
+                                        </p:cTn>
+                                        <p:tgtEl>
+                                          <p:spTgt spid="3">
+                                            <p:txEl>
+                                              <p:pRg st="2" end="2"/>
+                                            </p:txEl>
+                                          </p:spTgt>
+                                        </p:tgtEl>
+                                        <p:attrNameLst>
+                                          <p:attrName>style.visibility</p:attrName>
+                                        </p:attrNameLst>
+                                      </p:cBhvr>
+                                      <p:to>
+                                        <p:strVal val="visible"/>
+                                      </p:to>
+                                    </p:set>
+                                  </p:childTnLst>
+                                </p:cTn>
+                              </p:par>
+                            </p:childTnLst>
+                          </p:cTn>
+                        </p:par>
+                      </p:childTnLst>
+                    </p:cTn>
+                  </p:par>
+                  <p:par>
+                    <p:cTn id="15" fill="hold">
+                      <p:stCondLst>
+                        <p:cond delay="indefinite"/>
+                      </p:stCondLst>
+                      <p:childTnLst>
+                        <p:par>
+                          <p:cTn id="16" fill="hold">
+                            <p:stCondLst>
+                              <p:cond delay="0"/>
+                            </p:stCondLst>
+                            <p:childTnLst>
+                              <p:par>
+                                <p:cTn id="17" presetID="1" presetClass="entr" presetSubtype="0" fill="hold" grpId="0" nodeType="clickEffect">
+                                  <p:stCondLst>
+                                    <p:cond delay="0"/>
+                                  </p:stCondLst>
+                                  <p:childTnLst>
+                                    <p:set>
+                                      <p:cBhvr>
+                                        <p:cTn id="18" dur="1" fill="hold">
+                                          <p:stCondLst>
+                                            <p:cond delay="0"/>
+                                          </p:stCondLst>
+                                        </p:cTn>
+                                        <p:tgtEl>
+                                          <p:spTgt spid="3">
+                                            <p:txEl>
+                                              <p:pRg st="3" end="3"/>
+                                            </p:txEl>
+                                          </p:spTgt>
+                                        </p:tgtEl>
+                                        <p:attrNameLst>
+                                          <p:attrName>style.visibility</p:attrName>
+                                        </p:attrNameLst>
+                                      </p:cBhvr>
+                                      <p:to>
+                                        <p:strVal val="visible"/>
+                                      </p:to>
+                                    </p:set>
+                                  </p:childTnLst>
+                                </p:cTn>
+                              </p:par>
+                            </p:childTnLst>
+                          </p:cTn>
+                        </p:par>
+                      </p:childTnLst>
+                    </p:cTn>
+                  </p:par>
+                </p:childTnLst>
+              </p:cTn>
+              <p:prevCondLst>
+                <p:cond evt="onPrev" delay="0">
+                  <p:tgtEl>
+                    <p:sldTgt/>
+                  </p:tgtEl>
+                </p:cond>
+              </p:prevCondLst>
+              <p:nextCondLst>
+                <p:cond evt="onNext" delay="0">
+                  <p:tgtEl>
+                    <p:sldTgt/>
+                  </p:tgtEl>
+                </p:cond>
+              </p:nextCondLst>
+            </p:seq>
+          </p:childTnLst>
+        </p:cTn>
+      </p:par>
+    </p:tnLst>
+    <p:bldLst>
+      <p:bldP spid="3" grpId="0" build="p"/>
+    </p:bldLst>
+  </p:timing>
 </p:sld>
 </file>
 
@@ -11699,7 +12845,7 @@
           <p:cNvPr id="2" name="Title 1">
             <a:extLst>
               <a:ext uri="{FF2B5EF4-FFF2-40B4-BE49-F238E27FC236}">
-                <a16:creationId xmlns:a16="http://schemas.microsoft.com/office/drawing/2014/main" id="{CCC2C80C-21B5-4B21-B78D-747FBD4909BD}"/>
+                <a16:creationId xmlns:a16="http://schemas.microsoft.com/office/drawing/2014/main" id="{AD7A0C01-81B9-4C7B-87C6-006FBBD22721}"/>
               </a:ext>
             </a:extLst>
           </p:cNvPr>
@@ -11710,59 +12856,338 @@
             <p:ph type="title"/>
           </p:nvPr>
         </p:nvSpPr>
-        <p:spPr>
-          <a:xfrm>
-            <a:off x="2592926" y="622852"/>
-            <a:ext cx="8896709" cy="1282148"/>
-          </a:xfrm>
-        </p:spPr>
+        <p:spPr/>
         <p:txBody>
           <a:bodyPr/>
           <a:lstStyle/>
           <a:p>
-            <a:endParaRPr lang="en-US" dirty="0"/>
+            <a:r>
+              <a:rPr lang="en-US" dirty="0"/>
+              <a:t>Classify profitability based upon </a:t>
+            </a:r>
+            <a:br>
+              <a:rPr lang="en-US" dirty="0"/>
+            </a:br>
+            <a:r>
+              <a:rPr lang="en-US" dirty="0"/>
+              <a:t>Box Office/Budget ratio</a:t>
+            </a:r>
           </a:p>
         </p:txBody>
       </p:sp>
-      <p:pic>
-        <p:nvPicPr>
-          <p:cNvPr id="5" name="Content Placeholder 4" descr="A screenshot of a cell phone&#10;&#10;Description automatically generated">
+      <p:sp>
+        <p:nvSpPr>
+          <p:cNvPr id="3" name="Content Placeholder 2">
             <a:extLst>
               <a:ext uri="{FF2B5EF4-FFF2-40B4-BE49-F238E27FC236}">
-                <a16:creationId xmlns:a16="http://schemas.microsoft.com/office/drawing/2014/main" id="{A2CBA61A-3A80-4E21-8A81-CD5850AECF2F}"/>
+                <a16:creationId xmlns:a16="http://schemas.microsoft.com/office/drawing/2014/main" id="{AE615F85-C33C-484C-9AEB-364F38321B6C}"/>
               </a:ext>
             </a:extLst>
           </p:cNvPr>
-          <p:cNvPicPr>
-            <a:picLocks noGrp="1" noChangeAspect="1"/>
-          </p:cNvPicPr>
+          <p:cNvSpPr>
+            <a:spLocks noGrp="1"/>
+          </p:cNvSpPr>
           <p:nvPr>
             <p:ph idx="1"/>
           </p:nvPr>
-        </p:nvPicPr>
-        <p:blipFill>
-          <a:blip r:embed="rId2"/>
-          <a:stretch>
-            <a:fillRect/>
-          </a:stretch>
-        </p:blipFill>
-        <p:spPr>
-          <a:xfrm>
-            <a:off x="2086417" y="406367"/>
-            <a:ext cx="8098593" cy="6073946"/>
-          </a:xfrm>
-        </p:spPr>
-      </p:pic>
+        </p:nvSpPr>
+        <p:spPr/>
+        <p:txBody>
+          <a:bodyPr>
+            <a:normAutofit/>
+          </a:bodyPr>
+          <a:lstStyle/>
+          <a:p>
+            <a:r>
+              <a:rPr lang="en-US" sz="2400" dirty="0">
+                <a:latin typeface="Calibri" panose="020F0502020204030204" pitchFamily="34" charset="0"/>
+                <a:cs typeface="Calibri" panose="020F0502020204030204" pitchFamily="34" charset="0"/>
+              </a:rPr>
+              <a:t>Poor(1): ratio &lt; 1 These movies definitely lose money from box office.</a:t>
+            </a:r>
+          </a:p>
+          <a:p>
+            <a:r>
+              <a:rPr lang="en-US" sz="2400" dirty="0">
+                <a:latin typeface="Calibri" panose="020F0502020204030204" pitchFamily="34" charset="0"/>
+                <a:cs typeface="Calibri" panose="020F0502020204030204" pitchFamily="34" charset="0"/>
+              </a:rPr>
+              <a:t>Fair(2): ratio between 1 and 2. These movies can earn budget back from box </a:t>
+            </a:r>
+            <a:r>
+              <a:rPr lang="en-US" sz="2400" dirty="0" err="1">
+                <a:latin typeface="Calibri" panose="020F0502020204030204" pitchFamily="34" charset="0"/>
+                <a:cs typeface="Calibri" panose="020F0502020204030204" pitchFamily="34" charset="0"/>
+              </a:rPr>
+              <a:t>office,but</a:t>
+            </a:r>
+            <a:r>
+              <a:rPr lang="en-US" sz="2400" dirty="0">
+                <a:latin typeface="Calibri" panose="020F0502020204030204" pitchFamily="34" charset="0"/>
+                <a:cs typeface="Calibri" panose="020F0502020204030204" pitchFamily="34" charset="0"/>
+              </a:rPr>
+              <a:t> are barely profitable.</a:t>
+            </a:r>
+          </a:p>
+          <a:p>
+            <a:r>
+              <a:rPr lang="en-US" sz="2400" dirty="0">
+                <a:latin typeface="Calibri" panose="020F0502020204030204" pitchFamily="34" charset="0"/>
+                <a:cs typeface="Calibri" panose="020F0502020204030204" pitchFamily="34" charset="0"/>
+              </a:rPr>
+              <a:t>Good(3): ratio between 2 and 4. These movies are guaranteed profitable.</a:t>
+            </a:r>
+          </a:p>
+          <a:p>
+            <a:r>
+              <a:rPr lang="en-US" sz="2400" dirty="0">
+                <a:latin typeface="Calibri" panose="020F0502020204030204" pitchFamily="34" charset="0"/>
+                <a:cs typeface="Calibri" panose="020F0502020204030204" pitchFamily="34" charset="0"/>
+              </a:rPr>
+              <a:t>Great(4): ratio above 4. These movies are the true blockbusters that earned more than expected.</a:t>
+            </a:r>
+          </a:p>
+        </p:txBody>
+      </p:sp>
     </p:spTree>
     <p:extLst>
       <p:ext uri="{BB962C8B-B14F-4D97-AF65-F5344CB8AC3E}">
-        <p14:creationId xmlns:p14="http://schemas.microsoft.com/office/powerpoint/2010/main" val="233143166"/>
+        <p14:creationId xmlns:p14="http://schemas.microsoft.com/office/powerpoint/2010/main" val="2319207219"/>
       </p:ext>
     </p:extLst>
   </p:cSld>
   <p:clrMapOvr>
     <a:masterClrMapping/>
   </p:clrMapOvr>
+  <p:timing>
+    <p:tnLst>
+      <p:par>
+        <p:cTn id="1" dur="indefinite" restart="never" nodeType="tmRoot">
+          <p:childTnLst>
+            <p:seq concurrent="1" nextAc="seek">
+              <p:cTn id="2" dur="indefinite" nodeType="mainSeq">
+                <p:childTnLst>
+                  <p:par>
+                    <p:cTn id="3" fill="hold">
+                      <p:stCondLst>
+                        <p:cond delay="indefinite"/>
+                      </p:stCondLst>
+                      <p:childTnLst>
+                        <p:par>
+                          <p:cTn id="4" fill="hold">
+                            <p:stCondLst>
+                              <p:cond delay="0"/>
+                            </p:stCondLst>
+                            <p:childTnLst>
+                              <p:par>
+                                <p:cTn id="5" presetID="1" presetClass="entr" presetSubtype="0" fill="hold" grpId="0" nodeType="clickEffect">
+                                  <p:stCondLst>
+                                    <p:cond delay="0"/>
+                                  </p:stCondLst>
+                                  <p:childTnLst>
+                                    <p:set>
+                                      <p:cBhvr>
+                                        <p:cTn id="6" dur="1" fill="hold">
+                                          <p:stCondLst>
+                                            <p:cond delay="0"/>
+                                          </p:stCondLst>
+                                        </p:cTn>
+                                        <p:tgtEl>
+                                          <p:spTgt spid="3">
+                                            <p:txEl>
+                                              <p:pRg st="0" end="0"/>
+                                            </p:txEl>
+                                          </p:spTgt>
+                                        </p:tgtEl>
+                                        <p:attrNameLst>
+                                          <p:attrName>style.visibility</p:attrName>
+                                        </p:attrNameLst>
+                                      </p:cBhvr>
+                                      <p:to>
+                                        <p:strVal val="visible"/>
+                                      </p:to>
+                                    </p:set>
+                                  </p:childTnLst>
+                                </p:cTn>
+                              </p:par>
+                            </p:childTnLst>
+                          </p:cTn>
+                        </p:par>
+                      </p:childTnLst>
+                    </p:cTn>
+                  </p:par>
+                  <p:par>
+                    <p:cTn id="7" fill="hold">
+                      <p:stCondLst>
+                        <p:cond delay="indefinite"/>
+                      </p:stCondLst>
+                      <p:childTnLst>
+                        <p:par>
+                          <p:cTn id="8" fill="hold">
+                            <p:stCondLst>
+                              <p:cond delay="0"/>
+                            </p:stCondLst>
+                            <p:childTnLst>
+                              <p:par>
+                                <p:cTn id="9" presetID="1" presetClass="entr" presetSubtype="0" fill="hold" grpId="0" nodeType="clickEffect">
+                                  <p:stCondLst>
+                                    <p:cond delay="0"/>
+                                  </p:stCondLst>
+                                  <p:childTnLst>
+                                    <p:set>
+                                      <p:cBhvr>
+                                        <p:cTn id="10" dur="1" fill="hold">
+                                          <p:stCondLst>
+                                            <p:cond delay="0"/>
+                                          </p:stCondLst>
+                                        </p:cTn>
+                                        <p:tgtEl>
+                                          <p:spTgt spid="3">
+                                            <p:txEl>
+                                              <p:pRg st="1" end="1"/>
+                                            </p:txEl>
+                                          </p:spTgt>
+                                        </p:tgtEl>
+                                        <p:attrNameLst>
+                                          <p:attrName>style.visibility</p:attrName>
+                                        </p:attrNameLst>
+                                      </p:cBhvr>
+                                      <p:to>
+                                        <p:strVal val="visible"/>
+                                      </p:to>
+                                    </p:set>
+                                  </p:childTnLst>
+                                </p:cTn>
+                              </p:par>
+                            </p:childTnLst>
+                          </p:cTn>
+                        </p:par>
+                      </p:childTnLst>
+                    </p:cTn>
+                  </p:par>
+                  <p:par>
+                    <p:cTn id="11" fill="hold">
+                      <p:stCondLst>
+                        <p:cond delay="indefinite"/>
+                      </p:stCondLst>
+                      <p:childTnLst>
+                        <p:par>
+                          <p:cTn id="12" fill="hold">
+                            <p:stCondLst>
+                              <p:cond delay="0"/>
+                            </p:stCondLst>
+                            <p:childTnLst>
+                              <p:par>
+                                <p:cTn id="13" presetID="1" presetClass="entr" presetSubtype="0" fill="hold" grpId="0" nodeType="clickEffect">
+                                  <p:stCondLst>
+                                    <p:cond delay="0"/>
+                                  </p:stCondLst>
+                                  <p:childTnLst>
+                                    <p:set>
+                                      <p:cBhvr>
+                                        <p:cTn id="14" dur="1" fill="hold">
+                                          <p:stCondLst>
+                                            <p:cond delay="0"/>
+                                          </p:stCondLst>
+                                        </p:cTn>
+                                        <p:tgtEl>
+                                          <p:spTgt spid="3">
+                                            <p:txEl>
+                                              <p:pRg st="2" end="2"/>
+                                            </p:txEl>
+                                          </p:spTgt>
+                                        </p:tgtEl>
+                                        <p:attrNameLst>
+                                          <p:attrName>style.visibility</p:attrName>
+                                        </p:attrNameLst>
+                                      </p:cBhvr>
+                                      <p:to>
+                                        <p:strVal val="visible"/>
+                                      </p:to>
+                                    </p:set>
+                                  </p:childTnLst>
+                                </p:cTn>
+                              </p:par>
+                            </p:childTnLst>
+                          </p:cTn>
+                        </p:par>
+                      </p:childTnLst>
+                    </p:cTn>
+                  </p:par>
+                  <p:par>
+                    <p:cTn id="15" fill="hold">
+                      <p:stCondLst>
+                        <p:cond delay="indefinite"/>
+                      </p:stCondLst>
+                      <p:childTnLst>
+                        <p:par>
+                          <p:cTn id="16" fill="hold">
+                            <p:stCondLst>
+                              <p:cond delay="0"/>
+                            </p:stCondLst>
+                            <p:childTnLst>
+                              <p:par>
+                                <p:cTn id="17" presetID="1" presetClass="entr" presetSubtype="0" fill="hold" grpId="0" nodeType="clickEffect">
+                                  <p:stCondLst>
+                                    <p:cond delay="0"/>
+                                  </p:stCondLst>
+                                  <p:childTnLst>
+                                    <p:set>
+                                      <p:cBhvr>
+                                        <p:cTn id="18" dur="1" fill="hold">
+                                          <p:stCondLst>
+                                            <p:cond delay="0"/>
+                                          </p:stCondLst>
+                                        </p:cTn>
+                                        <p:tgtEl>
+                                          <p:spTgt spid="3">
+                                            <p:txEl>
+                                              <p:pRg st="3" end="3"/>
+                                            </p:txEl>
+                                          </p:spTgt>
+                                        </p:tgtEl>
+                                        <p:attrNameLst>
+                                          <p:attrName>style.visibility</p:attrName>
+                                        </p:attrNameLst>
+                                      </p:cBhvr>
+                                      <p:to>
+                                        <p:strVal val="visible"/>
+                                      </p:to>
+                                    </p:set>
+                                  </p:childTnLst>
+                                </p:cTn>
+                              </p:par>
+                            </p:childTnLst>
+                          </p:cTn>
+                        </p:par>
+                      </p:childTnLst>
+                    </p:cTn>
+                  </p:par>
+                </p:childTnLst>
+              </p:cTn>
+              <p:prevCondLst>
+                <p:cond evt="onPrev" delay="0">
+                  <p:tgtEl>
+                    <p:sldTgt/>
+                  </p:tgtEl>
+                </p:cond>
+              </p:prevCondLst>
+              <p:nextCondLst>
+                <p:cond evt="onNext" delay="0">
+                  <p:tgtEl>
+                    <p:sldTgt/>
+                  </p:tgtEl>
+                </p:cond>
+              </p:nextCondLst>
+            </p:seq>
+          </p:childTnLst>
+        </p:cTn>
+      </p:par>
+    </p:tnLst>
+    <p:bldLst>
+      <p:bldP spid="3" grpId="0" build="p"/>
+    </p:bldLst>
+  </p:timing>
 </p:sld>
 </file>
 
